--- a/inst/shiny-examples/ContDataQC/rmd/Files_From_Jen/2b_NamingFiles_v1_20210617/2b_Figure_NamingFiles.pptx
+++ b/inst/shiny-examples/ContDataQC/rmd/Files_From_Jen/2b_NamingFiles_v1_20210617/2b_Figure_NamingFiles.pptx
@@ -112,6 +112,51 @@
 </p:presentation>
 </file>
 
+<file path=ppt/revisionInfo.xml><?xml version="1.0" encoding="utf-8"?>
+<p1510:revInfo xmlns:a="http://schemas.openxmlformats.org/drawingml/2006/main" xmlns:r="http://schemas.openxmlformats.org/officeDocument/2006/relationships" xmlns:p1510="http://schemas.microsoft.com/office/powerpoint/2015/10/main">
+  <p1510:revLst>
+    <p1510:client id="{E40C0431-FA1C-40A5-9853-6D65F4FE8D5E}" v="1" dt="2021-06-17T13:51:41.070"/>
+  </p1510:revLst>
+</p1510:revInfo>
+</file>
+
+<file path=ppt/changesInfos/changesInfo1.xml><?xml version="1.0" encoding="utf-8"?>
+<pc:chgInfo xmlns:a="http://schemas.openxmlformats.org/drawingml/2006/main" xmlns:r="http://schemas.openxmlformats.org/officeDocument/2006/relationships" xmlns:ac="http://schemas.microsoft.com/office/drawing/2013/main/command" xmlns:pc="http://schemas.microsoft.com/office/powerpoint/2013/main/command">
+  <pc:docChgLst>
+    <pc:chgData name="Block, Ben" userId="37425d1b-7ac5-49ca-ad9d-3897ecb572d0" providerId="ADAL" clId="{E40C0431-FA1C-40A5-9853-6D65F4FE8D5E}"/>
+    <pc:docChg chg="modSld">
+      <pc:chgData name="Block, Ben" userId="37425d1b-7ac5-49ca-ad9d-3897ecb572d0" providerId="ADAL" clId="{E40C0431-FA1C-40A5-9853-6D65F4FE8D5E}" dt="2021-06-17T13:51:49.092" v="3" actId="27107"/>
+      <pc:docMkLst>
+        <pc:docMk/>
+      </pc:docMkLst>
+      <pc:sldChg chg="modSp mod">
+        <pc:chgData name="Block, Ben" userId="37425d1b-7ac5-49ca-ad9d-3897ecb572d0" providerId="ADAL" clId="{E40C0431-FA1C-40A5-9853-6D65F4FE8D5E}" dt="2021-06-17T13:51:49.092" v="3" actId="27107"/>
+        <pc:sldMkLst>
+          <pc:docMk/>
+          <pc:sldMk cId="3522748326" sldId="256"/>
+        </pc:sldMkLst>
+        <pc:spChg chg="mod">
+          <ac:chgData name="Block, Ben" userId="37425d1b-7ac5-49ca-ad9d-3897ecb572d0" providerId="ADAL" clId="{E40C0431-FA1C-40A5-9853-6D65F4FE8D5E}" dt="2021-06-17T13:51:49.092" v="3" actId="27107"/>
+          <ac:spMkLst>
+            <pc:docMk/>
+            <pc:sldMk cId="3522748326" sldId="256"/>
+            <ac:spMk id="8" creationId="{D3A893AC-853B-45D3-B529-46066339E30A}"/>
+          </ac:spMkLst>
+        </pc:spChg>
+        <pc:picChg chg="mod">
+          <ac:chgData name="Block, Ben" userId="37425d1b-7ac5-49ca-ad9d-3897ecb572d0" providerId="ADAL" clId="{E40C0431-FA1C-40A5-9853-6D65F4FE8D5E}" dt="2021-06-17T13:48:50.816" v="2" actId="14100"/>
+          <ac:picMkLst>
+            <pc:docMk/>
+            <pc:sldMk cId="3522748326" sldId="256"/>
+            <ac:picMk id="10" creationId="{E283E38C-9209-49D4-A554-66B4FBFFBD84}"/>
+          </ac:picMkLst>
+        </pc:picChg>
+      </pc:sldChg>
+    </pc:docChg>
+  </pc:docChgLst>
+</pc:chgInfo>
+</file>
+
 <file path=ppt/slideLayouts/slideLayout1.xml><?xml version="1.0" encoding="utf-8"?>
 <p:sldLayout xmlns:a="http://schemas.openxmlformats.org/drawingml/2006/main" xmlns:r="http://schemas.openxmlformats.org/officeDocument/2006/relationships" xmlns:p="http://schemas.openxmlformats.org/presentationml/2006/main" type="title" preserve="1">
   <p:cSld name="Title Slide">
@@ -259,9 +304,9 @@
           <a:p>
             <a:fld id="{B37856D7-E009-49C0-BD0A-BAEC12F38446}" type="datetimeFigureOut">
               <a:rPr lang="en-US" smtClean="0"/>
-              <a:t>2021-06-17</a:t>
+              <a:t>6/17/2021</a:t>
             </a:fld>
-            <a:endParaRPr lang="en-US"/>
+            <a:endParaRPr lang="en-US" dirty="0"/>
           </a:p>
         </p:txBody>
       </p:sp>
@@ -286,7 +331,7 @@
           <a:bodyPr/>
           <a:lstStyle/>
           <a:p>
-            <a:endParaRPr lang="en-US"/>
+            <a:endParaRPr lang="en-US" dirty="0"/>
           </a:p>
         </p:txBody>
       </p:sp>
@@ -315,7 +360,7 @@
               <a:rPr lang="en-US" smtClean="0"/>
               <a:t>‹#›</a:t>
             </a:fld>
-            <a:endParaRPr lang="en-US"/>
+            <a:endParaRPr lang="en-US" dirty="0"/>
           </a:p>
         </p:txBody>
       </p:sp>
@@ -457,9 +502,9 @@
           <a:p>
             <a:fld id="{B37856D7-E009-49C0-BD0A-BAEC12F38446}" type="datetimeFigureOut">
               <a:rPr lang="en-US" smtClean="0"/>
-              <a:t>2021-06-17</a:t>
+              <a:t>6/17/2021</a:t>
             </a:fld>
-            <a:endParaRPr lang="en-US"/>
+            <a:endParaRPr lang="en-US" dirty="0"/>
           </a:p>
         </p:txBody>
       </p:sp>
@@ -484,7 +529,7 @@
           <a:bodyPr/>
           <a:lstStyle/>
           <a:p>
-            <a:endParaRPr lang="en-US"/>
+            <a:endParaRPr lang="en-US" dirty="0"/>
           </a:p>
         </p:txBody>
       </p:sp>
@@ -513,7 +558,7 @@
               <a:rPr lang="en-US" smtClean="0"/>
               <a:t>‹#›</a:t>
             </a:fld>
-            <a:endParaRPr lang="en-US"/>
+            <a:endParaRPr lang="en-US" dirty="0"/>
           </a:p>
         </p:txBody>
       </p:sp>
@@ -665,9 +710,9 @@
           <a:p>
             <a:fld id="{B37856D7-E009-49C0-BD0A-BAEC12F38446}" type="datetimeFigureOut">
               <a:rPr lang="en-US" smtClean="0"/>
-              <a:t>2021-06-17</a:t>
+              <a:t>6/17/2021</a:t>
             </a:fld>
-            <a:endParaRPr lang="en-US"/>
+            <a:endParaRPr lang="en-US" dirty="0"/>
           </a:p>
         </p:txBody>
       </p:sp>
@@ -692,7 +737,7 @@
           <a:bodyPr/>
           <a:lstStyle/>
           <a:p>
-            <a:endParaRPr lang="en-US"/>
+            <a:endParaRPr lang="en-US" dirty="0"/>
           </a:p>
         </p:txBody>
       </p:sp>
@@ -721,7 +766,7 @@
               <a:rPr lang="en-US" smtClean="0"/>
               <a:t>‹#›</a:t>
             </a:fld>
-            <a:endParaRPr lang="en-US"/>
+            <a:endParaRPr lang="en-US" dirty="0"/>
           </a:p>
         </p:txBody>
       </p:sp>
@@ -863,9 +908,9 @@
           <a:p>
             <a:fld id="{B37856D7-E009-49C0-BD0A-BAEC12F38446}" type="datetimeFigureOut">
               <a:rPr lang="en-US" smtClean="0"/>
-              <a:t>2021-06-17</a:t>
+              <a:t>6/17/2021</a:t>
             </a:fld>
-            <a:endParaRPr lang="en-US"/>
+            <a:endParaRPr lang="en-US" dirty="0"/>
           </a:p>
         </p:txBody>
       </p:sp>
@@ -890,7 +935,7 @@
           <a:bodyPr/>
           <a:lstStyle/>
           <a:p>
-            <a:endParaRPr lang="en-US"/>
+            <a:endParaRPr lang="en-US" dirty="0"/>
           </a:p>
         </p:txBody>
       </p:sp>
@@ -919,7 +964,7 @@
               <a:rPr lang="en-US" smtClean="0"/>
               <a:t>‹#›</a:t>
             </a:fld>
-            <a:endParaRPr lang="en-US"/>
+            <a:endParaRPr lang="en-US" dirty="0"/>
           </a:p>
         </p:txBody>
       </p:sp>
@@ -1138,9 +1183,9 @@
           <a:p>
             <a:fld id="{B37856D7-E009-49C0-BD0A-BAEC12F38446}" type="datetimeFigureOut">
               <a:rPr lang="en-US" smtClean="0"/>
-              <a:t>2021-06-17</a:t>
+              <a:t>6/17/2021</a:t>
             </a:fld>
-            <a:endParaRPr lang="en-US"/>
+            <a:endParaRPr lang="en-US" dirty="0"/>
           </a:p>
         </p:txBody>
       </p:sp>
@@ -1165,7 +1210,7 @@
           <a:bodyPr/>
           <a:lstStyle/>
           <a:p>
-            <a:endParaRPr lang="en-US"/>
+            <a:endParaRPr lang="en-US" dirty="0"/>
           </a:p>
         </p:txBody>
       </p:sp>
@@ -1194,7 +1239,7 @@
               <a:rPr lang="en-US" smtClean="0"/>
               <a:t>‹#›</a:t>
             </a:fld>
-            <a:endParaRPr lang="en-US"/>
+            <a:endParaRPr lang="en-US" dirty="0"/>
           </a:p>
         </p:txBody>
       </p:sp>
@@ -1403,9 +1448,9 @@
           <a:p>
             <a:fld id="{B37856D7-E009-49C0-BD0A-BAEC12F38446}" type="datetimeFigureOut">
               <a:rPr lang="en-US" smtClean="0"/>
-              <a:t>2021-06-17</a:t>
+              <a:t>6/17/2021</a:t>
             </a:fld>
-            <a:endParaRPr lang="en-US"/>
+            <a:endParaRPr lang="en-US" dirty="0"/>
           </a:p>
         </p:txBody>
       </p:sp>
@@ -1430,7 +1475,7 @@
           <a:bodyPr/>
           <a:lstStyle/>
           <a:p>
-            <a:endParaRPr lang="en-US"/>
+            <a:endParaRPr lang="en-US" dirty="0"/>
           </a:p>
         </p:txBody>
       </p:sp>
@@ -1459,7 +1504,7 @@
               <a:rPr lang="en-US" smtClean="0"/>
               <a:t>‹#›</a:t>
             </a:fld>
-            <a:endParaRPr lang="en-US"/>
+            <a:endParaRPr lang="en-US" dirty="0"/>
           </a:p>
         </p:txBody>
       </p:sp>
@@ -1815,9 +1860,9 @@
           <a:p>
             <a:fld id="{B37856D7-E009-49C0-BD0A-BAEC12F38446}" type="datetimeFigureOut">
               <a:rPr lang="en-US" smtClean="0"/>
-              <a:t>2021-06-17</a:t>
+              <a:t>6/17/2021</a:t>
             </a:fld>
-            <a:endParaRPr lang="en-US"/>
+            <a:endParaRPr lang="en-US" dirty="0"/>
           </a:p>
         </p:txBody>
       </p:sp>
@@ -1842,7 +1887,7 @@
           <a:bodyPr/>
           <a:lstStyle/>
           <a:p>
-            <a:endParaRPr lang="en-US"/>
+            <a:endParaRPr lang="en-US" dirty="0"/>
           </a:p>
         </p:txBody>
       </p:sp>
@@ -1871,7 +1916,7 @@
               <a:rPr lang="en-US" smtClean="0"/>
               <a:t>‹#›</a:t>
             </a:fld>
-            <a:endParaRPr lang="en-US"/>
+            <a:endParaRPr lang="en-US" dirty="0"/>
           </a:p>
         </p:txBody>
       </p:sp>
@@ -1956,9 +2001,9 @@
           <a:p>
             <a:fld id="{B37856D7-E009-49C0-BD0A-BAEC12F38446}" type="datetimeFigureOut">
               <a:rPr lang="en-US" smtClean="0"/>
-              <a:t>2021-06-17</a:t>
+              <a:t>6/17/2021</a:t>
             </a:fld>
-            <a:endParaRPr lang="en-US"/>
+            <a:endParaRPr lang="en-US" dirty="0"/>
           </a:p>
         </p:txBody>
       </p:sp>
@@ -1983,7 +2028,7 @@
           <a:bodyPr/>
           <a:lstStyle/>
           <a:p>
-            <a:endParaRPr lang="en-US"/>
+            <a:endParaRPr lang="en-US" dirty="0"/>
           </a:p>
         </p:txBody>
       </p:sp>
@@ -2012,7 +2057,7 @@
               <a:rPr lang="en-US" smtClean="0"/>
               <a:t>‹#›</a:t>
             </a:fld>
-            <a:endParaRPr lang="en-US"/>
+            <a:endParaRPr lang="en-US" dirty="0"/>
           </a:p>
         </p:txBody>
       </p:sp>
@@ -2069,9 +2114,9 @@
           <a:p>
             <a:fld id="{B37856D7-E009-49C0-BD0A-BAEC12F38446}" type="datetimeFigureOut">
               <a:rPr lang="en-US" smtClean="0"/>
-              <a:t>2021-06-17</a:t>
+              <a:t>6/17/2021</a:t>
             </a:fld>
-            <a:endParaRPr lang="en-US"/>
+            <a:endParaRPr lang="en-US" dirty="0"/>
           </a:p>
         </p:txBody>
       </p:sp>
@@ -2096,7 +2141,7 @@
           <a:bodyPr/>
           <a:lstStyle/>
           <a:p>
-            <a:endParaRPr lang="en-US"/>
+            <a:endParaRPr lang="en-US" dirty="0"/>
           </a:p>
         </p:txBody>
       </p:sp>
@@ -2125,7 +2170,7 @@
               <a:rPr lang="en-US" smtClean="0"/>
               <a:t>‹#›</a:t>
             </a:fld>
-            <a:endParaRPr lang="en-US"/>
+            <a:endParaRPr lang="en-US" dirty="0"/>
           </a:p>
         </p:txBody>
       </p:sp>
@@ -2380,9 +2425,9 @@
           <a:p>
             <a:fld id="{B37856D7-E009-49C0-BD0A-BAEC12F38446}" type="datetimeFigureOut">
               <a:rPr lang="en-US" smtClean="0"/>
-              <a:t>2021-06-17</a:t>
+              <a:t>6/17/2021</a:t>
             </a:fld>
-            <a:endParaRPr lang="en-US"/>
+            <a:endParaRPr lang="en-US" dirty="0"/>
           </a:p>
         </p:txBody>
       </p:sp>
@@ -2407,7 +2452,7 @@
           <a:bodyPr/>
           <a:lstStyle/>
           <a:p>
-            <a:endParaRPr lang="en-US"/>
+            <a:endParaRPr lang="en-US" dirty="0"/>
           </a:p>
         </p:txBody>
       </p:sp>
@@ -2436,7 +2481,7 @@
               <a:rPr lang="en-US" smtClean="0"/>
               <a:t>‹#›</a:t>
             </a:fld>
-            <a:endParaRPr lang="en-US"/>
+            <a:endParaRPr lang="en-US" dirty="0"/>
           </a:p>
         </p:txBody>
       </p:sp>
@@ -2570,7 +2615,7 @@
             </a:lvl9pPr>
           </a:lstStyle>
           <a:p>
-            <a:endParaRPr lang="en-US"/>
+            <a:endParaRPr lang="en-US" dirty="0"/>
           </a:p>
         </p:txBody>
       </p:sp>
@@ -2668,9 +2713,9 @@
           <a:p>
             <a:fld id="{B37856D7-E009-49C0-BD0A-BAEC12F38446}" type="datetimeFigureOut">
               <a:rPr lang="en-US" smtClean="0"/>
-              <a:t>2021-06-17</a:t>
+              <a:t>6/17/2021</a:t>
             </a:fld>
-            <a:endParaRPr lang="en-US"/>
+            <a:endParaRPr lang="en-US" dirty="0"/>
           </a:p>
         </p:txBody>
       </p:sp>
@@ -2695,7 +2740,7 @@
           <a:bodyPr/>
           <a:lstStyle/>
           <a:p>
-            <a:endParaRPr lang="en-US"/>
+            <a:endParaRPr lang="en-US" dirty="0"/>
           </a:p>
         </p:txBody>
       </p:sp>
@@ -2724,7 +2769,7 @@
               <a:rPr lang="en-US" smtClean="0"/>
               <a:t>‹#›</a:t>
             </a:fld>
-            <a:endParaRPr lang="en-US"/>
+            <a:endParaRPr lang="en-US" dirty="0"/>
           </a:p>
         </p:txBody>
       </p:sp>
@@ -2909,9 +2954,9 @@
           <a:p>
             <a:fld id="{B37856D7-E009-49C0-BD0A-BAEC12F38446}" type="datetimeFigureOut">
               <a:rPr lang="en-US" smtClean="0"/>
-              <a:t>2021-06-17</a:t>
+              <a:t>6/17/2021</a:t>
             </a:fld>
-            <a:endParaRPr lang="en-US"/>
+            <a:endParaRPr lang="en-US" dirty="0"/>
           </a:p>
         </p:txBody>
       </p:sp>
@@ -2954,7 +2999,7 @@
             </a:lvl1pPr>
           </a:lstStyle>
           <a:p>
-            <a:endParaRPr lang="en-US"/>
+            <a:endParaRPr lang="en-US" dirty="0"/>
           </a:p>
         </p:txBody>
       </p:sp>
@@ -3001,7 +3046,7 @@
               <a:rPr lang="en-US" smtClean="0"/>
               <a:t>‹#›</a:t>
             </a:fld>
-            <a:endParaRPr lang="en-US"/>
+            <a:endParaRPr lang="en-US" dirty="0"/>
           </a:p>
         </p:txBody>
       </p:sp>
@@ -3404,7 +3449,7 @@
         </p:nvSpPr>
         <p:spPr>
           <a:xfrm>
-            <a:off x="945351" y="2704211"/>
+            <a:off x="945351" y="2393492"/>
             <a:ext cx="10350939" cy="923330"/>
           </a:xfrm>
           <a:prstGeom prst="rect">
@@ -3420,15 +3465,7 @@
           <a:p>
             <a:r>
               <a:rPr lang="en-US" dirty="0"/>
-              <a:t>Example files for a lake RMN site where temperature sensors were deployed at multiple depths and DO sensors were also deployed. The two types of sensors overlapped at the 2M depth and the second part of the file name (</a:t>
-            </a:r>
-            <a:r>
-              <a:rPr lang="en-US" dirty="0" err="1"/>
-              <a:t>DataType</a:t>
-            </a:r>
-            <a:r>
-              <a:rPr lang="en-US" dirty="0"/>
-              <a:t>) was used to distinguish between the two (TEMP vs. DO).</a:t>
+              <a:t>Example files for a lake RMN site where temperature sensors were deployed at multiple depths and DO sensors were also deployed. The two types of sensors overlapped at the 2M depth and the second part of the file name (DataType) was used to distinguish between the two (TEMP vs. DO).</a:t>
             </a:r>
           </a:p>
         </p:txBody>
@@ -3454,8 +3491,8 @@
         </p:blipFill>
         <p:spPr>
           <a:xfrm>
-            <a:off x="1104742" y="3627541"/>
-            <a:ext cx="3271386" cy="3959604"/>
+            <a:off x="1104742" y="3236924"/>
+            <a:ext cx="2980697" cy="3607761"/>
           </a:xfrm>
           <a:prstGeom prst="rect">
             <a:avLst/>
